--- a/course/compiler/lecture/(Spring2020)Lecture7.pptx
+++ b/course/compiler/lecture/(Spring2020)Lecture7.pptx
@@ -264,7 +264,7 @@
                 <a:ea typeface="微软雅黑" panose="020B0503020204020204" pitchFamily="34" charset="-122"/>
               </a:rPr>
               <a:pPr algn="r" rtl="0"/>
-              <a:t>2020/5/16</a:t>
+              <a:t>2020/5/19</a:t>
             </a:fld>
             <a:endParaRPr lang="zh-CN" altLang="en-US" dirty="0">
               <a:latin typeface="微软雅黑" panose="020B0503020204020204" pitchFamily="34" charset="-122"/>
@@ -451,7 +451,7 @@
             <a:fld id="{229B22C3-6CB1-491B-AD00-E0837F23A3F3}" type="datetime1">
               <a:rPr lang="zh-CN" altLang="en-US" smtClean="0"/>
               <a:pPr/>
-              <a:t>2020/5/16</a:t>
+              <a:t>2020/5/19</a:t>
             </a:fld>
             <a:endParaRPr lang="zh-CN" altLang="en-US" dirty="0"/>
           </a:p>
@@ -1047,7 +1047,7 @@
             <a:fld id="{A7392AAC-879E-4B39-8824-AF6B730A809E}" type="datetime1">
               <a:rPr lang="zh-CN" altLang="en-US" smtClean="0"/>
               <a:pPr/>
-              <a:t>2020/5/16</a:t>
+              <a:t>2020/5/19</a:t>
             </a:fld>
             <a:endParaRPr lang="zh-CN" altLang="en-US" dirty="0"/>
           </a:p>
@@ -1388,7 +1388,7 @@
             <a:fld id="{7118C275-B304-48F5-8C4F-015CBCF4E7C1}" type="datetime1">
               <a:rPr lang="zh-CN" altLang="en-US" smtClean="0"/>
               <a:pPr/>
-              <a:t>2020/5/16</a:t>
+              <a:t>2020/5/19</a:t>
             </a:fld>
             <a:r>
               <a:rPr lang="zh-CN" altLang="en-US" dirty="0"/>
@@ -1594,7 +1594,7 @@
             <a:fld id="{98791AA9-DDCB-4BA8-AD1D-963A3AA00622}" type="datetime1">
               <a:rPr lang="zh-CN" altLang="en-US" smtClean="0"/>
               <a:pPr/>
-              <a:t>2020/5/16</a:t>
+              <a:t>2020/5/19</a:t>
             </a:fld>
             <a:endParaRPr lang="zh-CN" altLang="en-US" dirty="0"/>
           </a:p>
@@ -1798,7 +1798,7 @@
             <a:fld id="{9170426F-E661-472B-BE42-25E072CD46D9}" type="datetime1">
               <a:rPr lang="zh-CN" altLang="en-US" smtClean="0"/>
               <a:pPr/>
-              <a:t>2020/5/16</a:t>
+              <a:t>2020/5/19</a:t>
             </a:fld>
             <a:endParaRPr lang="zh-CN" altLang="en-US" dirty="0"/>
           </a:p>
@@ -2120,7 +2120,7 @@
             <a:fld id="{9BA78444-6099-4C0A-A3A9-C6F3C5D7F289}" type="datetime1">
               <a:rPr lang="zh-CN" altLang="en-US" smtClean="0"/>
               <a:pPr/>
-              <a:t>2020/5/16</a:t>
+              <a:t>2020/5/19</a:t>
             </a:fld>
             <a:endParaRPr lang="zh-CN" altLang="en-US" dirty="0"/>
           </a:p>
@@ -3232,7 +3232,7 @@
             <a:fld id="{AF5F6A19-70BF-4380-9A40-68C9536408C6}" type="datetime1">
               <a:rPr lang="zh-CN" altLang="en-US" smtClean="0"/>
               <a:pPr/>
-              <a:t>2020/5/16</a:t>
+              <a:t>2020/5/19</a:t>
             </a:fld>
             <a:endParaRPr lang="zh-CN" altLang="en-US" dirty="0"/>
           </a:p>
@@ -3631,7 +3631,7 @@
             <a:fld id="{6017EB90-196C-4C15-BD31-13E0E0436C73}" type="datetime1">
               <a:rPr lang="zh-CN" altLang="en-US" smtClean="0"/>
               <a:pPr/>
-              <a:t>2020/5/16</a:t>
+              <a:t>2020/5/19</a:t>
             </a:fld>
             <a:r>
               <a:rPr lang="zh-CN" altLang="en-US" dirty="0"/>
@@ -4113,7 +4113,7 @@
             <a:fld id="{C2EC0F41-B48F-4298-A7F6-618EB9D22195}" type="datetime1">
               <a:rPr lang="zh-CN" altLang="en-US" smtClean="0"/>
               <a:pPr/>
-              <a:t>2020/5/16</a:t>
+              <a:t>2020/5/19</a:t>
             </a:fld>
             <a:endParaRPr lang="zh-CN" altLang="en-US" dirty="0"/>
           </a:p>
@@ -4264,7 +4264,7 @@
             <a:fld id="{7DB2D836-56E8-4B15-857C-14B1A5B3B67B}" type="datetime1">
               <a:rPr lang="zh-CN" altLang="en-US" smtClean="0"/>
               <a:pPr/>
-              <a:t>2020/5/16</a:t>
+              <a:t>2020/5/19</a:t>
             </a:fld>
             <a:endParaRPr lang="zh-CN" altLang="en-US" dirty="0"/>
           </a:p>
@@ -4382,7 +4382,7 @@
             <a:fld id="{038D929F-7D8C-4CC3-8AC7-BB9B8FE2DEBF}" type="datetime1">
               <a:rPr lang="zh-CN" altLang="en-US" smtClean="0"/>
               <a:pPr/>
-              <a:t>2020/5/16</a:t>
+              <a:t>2020/5/19</a:t>
             </a:fld>
             <a:endParaRPr lang="zh-CN" altLang="en-US" dirty="0"/>
           </a:p>
@@ -4685,7 +4685,7 @@
             <a:fld id="{F7892ACC-8BC8-4C9E-9D2B-0669DA5038B6}" type="datetime1">
               <a:rPr lang="zh-CN" altLang="en-US" smtClean="0"/>
               <a:pPr/>
-              <a:t>2020/5/16</a:t>
+              <a:t>2020/5/19</a:t>
             </a:fld>
             <a:endParaRPr lang="zh-CN" altLang="en-US" dirty="0"/>
           </a:p>
@@ -4951,7 +4951,7 @@
             <a:fld id="{660B6A15-7713-4A08-BBFD-F297CCC2B976}" type="datetime1">
               <a:rPr lang="zh-CN" altLang="en-US" smtClean="0"/>
               <a:pPr/>
-              <a:t>2020/5/16</a:t>
+              <a:t>2020/5/19</a:t>
             </a:fld>
             <a:r>
               <a:rPr lang="zh-CN" altLang="en-US" dirty="0"/>
@@ -7096,7 +7096,7 @@
           <a:graphicData uri="http://schemas.openxmlformats.org/presentationml/2006/ole">
             <mc:AlternateContent xmlns:mc="http://schemas.openxmlformats.org/markup-compatibility/2006">
               <mc:Choice xmlns:v="urn:schemas-microsoft-com:vml" Requires="v">
-                <p:oleObj spid="_x0000_s2053" name="Equation" r:id="rId3" imgW="2806560" imgH="190440" progId="Equation.DSMT4">
+                <p:oleObj spid="_x0000_s2062" name="Equation" r:id="rId3" imgW="2806560" imgH="190440" progId="Equation.DSMT4">
                   <p:embed/>
                 </p:oleObj>
               </mc:Choice>
@@ -7372,7 +7372,7 @@
           <a:graphicData uri="http://schemas.openxmlformats.org/presentationml/2006/ole">
             <mc:AlternateContent xmlns:mc="http://schemas.openxmlformats.org/markup-compatibility/2006">
               <mc:Choice xmlns:v="urn:schemas-microsoft-com:vml" Requires="v">
-                <p:oleObj spid="_x0000_s2054" name="Equation" r:id="rId5" imgW="1676160" imgH="190440" progId="Equation.DSMT4">
+                <p:oleObj spid="_x0000_s2063" name="Equation" r:id="rId5" imgW="1676160" imgH="190440" progId="Equation.DSMT4">
                   <p:embed/>
                 </p:oleObj>
               </mc:Choice>
@@ -7646,7 +7646,7 @@
           <a:graphicData uri="http://schemas.openxmlformats.org/presentationml/2006/ole">
             <mc:AlternateContent xmlns:mc="http://schemas.openxmlformats.org/markup-compatibility/2006">
               <mc:Choice xmlns:v="urn:schemas-microsoft-com:vml" Requires="v">
-                <p:oleObj spid="_x0000_s2055" name="Equation" r:id="rId7" imgW="2171520" imgH="190440" progId="Equation.DSMT4">
+                <p:oleObj spid="_x0000_s2064" name="Equation" r:id="rId7" imgW="2171520" imgH="190440" progId="Equation.DSMT4">
                   <p:embed/>
                 </p:oleObj>
               </mc:Choice>
@@ -9678,7 +9678,7 @@
         </p:blipFill>
         <p:spPr>
           <a:xfrm>
-            <a:off x="2290193" y="1679121"/>
+            <a:off x="3593418" y="1679121"/>
             <a:ext cx="4562475" cy="4762500"/>
           </a:xfrm>
           <a:prstGeom prst="rect">
@@ -9686,6 +9686,170 @@
           </a:prstGeom>
         </p:spPr>
       </p:pic>
+      <p:pic>
+        <p:nvPicPr>
+          <p:cNvPr id="4" name="图片 3">
+            <a:extLst>
+              <a:ext uri="{FF2B5EF4-FFF2-40B4-BE49-F238E27FC236}">
+                <a16:creationId xmlns:a16="http://schemas.microsoft.com/office/drawing/2014/main" id="{E674501E-CFCD-46B9-B3C1-E6C1ACE931A8}"/>
+              </a:ext>
+            </a:extLst>
+          </p:cNvPr>
+          <p:cNvPicPr>
+            <a:picLocks noChangeAspect="1"/>
+          </p:cNvPicPr>
+          <p:nvPr/>
+        </p:nvPicPr>
+        <p:blipFill>
+          <a:blip r:embed="rId3"/>
+          <a:stretch>
+            <a:fillRect/>
+          </a:stretch>
+        </p:blipFill>
+        <p:spPr>
+          <a:xfrm>
+            <a:off x="507051" y="4909868"/>
+            <a:ext cx="3086367" cy="1531753"/>
+          </a:xfrm>
+          <a:prstGeom prst="rect">
+            <a:avLst/>
+          </a:prstGeom>
+        </p:spPr>
+      </p:pic>
+      <p:sp>
+        <p:nvSpPr>
+          <p:cNvPr id="5" name="矩形: 圆角 4">
+            <a:extLst>
+              <a:ext uri="{FF2B5EF4-FFF2-40B4-BE49-F238E27FC236}">
+                <a16:creationId xmlns:a16="http://schemas.microsoft.com/office/drawing/2014/main" id="{77880681-4FCB-4D79-8A40-9D7FB7BB682C}"/>
+              </a:ext>
+            </a:extLst>
+          </p:cNvPr>
+          <p:cNvSpPr/>
+          <p:nvPr/>
+        </p:nvSpPr>
+        <p:spPr>
+          <a:xfrm>
+            <a:off x="3508309" y="2593909"/>
+            <a:ext cx="4739951" cy="1996751"/>
+          </a:xfrm>
+          <a:prstGeom prst="roundRect">
+            <a:avLst/>
+          </a:prstGeom>
+          <a:noFill/>
+        </p:spPr>
+        <p:style>
+          <a:lnRef idx="2">
+            <a:schemeClr val="accent5"/>
+          </a:lnRef>
+          <a:fillRef idx="1">
+            <a:schemeClr val="lt1"/>
+          </a:fillRef>
+          <a:effectRef idx="0">
+            <a:schemeClr val="accent5"/>
+          </a:effectRef>
+          <a:fontRef idx="minor">
+            <a:schemeClr val="dk1"/>
+          </a:fontRef>
+        </p:style>
+        <p:txBody>
+          <a:bodyPr rtlCol="0" anchor="ctr"/>
+          <a:lstStyle/>
+          <a:p>
+            <a:pPr algn="ctr"/>
+            <a:endParaRPr lang="zh-CN" altLang="en-US"/>
+          </a:p>
+        </p:txBody>
+      </p:sp>
+      <p:sp>
+        <p:nvSpPr>
+          <p:cNvPr id="6" name="文本框 5">
+            <a:extLst>
+              <a:ext uri="{FF2B5EF4-FFF2-40B4-BE49-F238E27FC236}">
+                <a16:creationId xmlns:a16="http://schemas.microsoft.com/office/drawing/2014/main" id="{EB9CBD8F-CBF2-44EB-8BFD-5FE65770D330}"/>
+              </a:ext>
+            </a:extLst>
+          </p:cNvPr>
+          <p:cNvSpPr txBox="1"/>
+          <p:nvPr/>
+        </p:nvSpPr>
+        <p:spPr>
+          <a:xfrm>
+            <a:off x="828675" y="2388637"/>
+            <a:ext cx="1636795" cy="923330"/>
+          </a:xfrm>
+          <a:prstGeom prst="rect">
+            <a:avLst/>
+          </a:prstGeom>
+          <a:noFill/>
+        </p:spPr>
+        <p:txBody>
+          <a:bodyPr wrap="none" rtlCol="0">
+            <a:spAutoFit/>
+          </a:bodyPr>
+          <a:lstStyle/>
+          <a:p>
+            <a:r>
+              <a:rPr lang="en-US" altLang="zh-CN" dirty="0"/>
+              <a:t>Declaration:</a:t>
+            </a:r>
+          </a:p>
+          <a:p>
+            <a:endParaRPr lang="en-US" altLang="zh-CN" dirty="0"/>
+          </a:p>
+          <a:p>
+            <a:r>
+              <a:rPr lang="en-US" altLang="zh-CN" dirty="0"/>
+              <a:t>integer a[2][3]</a:t>
+            </a:r>
+            <a:endParaRPr lang="zh-CN" altLang="en-US" dirty="0"/>
+          </a:p>
+        </p:txBody>
+      </p:sp>
+      <p:cxnSp>
+        <p:nvCxnSpPr>
+          <p:cNvPr id="8" name="直接箭头连接符 7">
+            <a:extLst>
+              <a:ext uri="{FF2B5EF4-FFF2-40B4-BE49-F238E27FC236}">
+                <a16:creationId xmlns:a16="http://schemas.microsoft.com/office/drawing/2014/main" id="{5A2D3441-3DBD-418A-A676-26BC43F9F5AC}"/>
+              </a:ext>
+            </a:extLst>
+          </p:cNvPr>
+          <p:cNvCxnSpPr>
+            <a:endCxn id="3" idx="1"/>
+          </p:cNvCxnSpPr>
+          <p:nvPr/>
+        </p:nvCxnSpPr>
+        <p:spPr>
+          <a:xfrm>
+            <a:off x="2465470" y="3311967"/>
+            <a:ext cx="1127948" cy="748404"/>
+          </a:xfrm>
+          <a:prstGeom prst="straightConnector1">
+            <a:avLst/>
+          </a:prstGeom>
+          <a:ln>
+            <a:solidFill>
+              <a:schemeClr val="accent1"/>
+            </a:solidFill>
+            <a:tailEnd type="triangle"/>
+          </a:ln>
+        </p:spPr>
+        <p:style>
+          <a:lnRef idx="1">
+            <a:schemeClr val="accent1"/>
+          </a:lnRef>
+          <a:fillRef idx="0">
+            <a:schemeClr val="accent1"/>
+          </a:fillRef>
+          <a:effectRef idx="0">
+            <a:schemeClr val="accent1"/>
+          </a:effectRef>
+          <a:fontRef idx="minor">
+            <a:schemeClr val="tx1"/>
+          </a:fontRef>
+        </p:style>
+      </p:cxnSp>
     </p:spTree>
     <p:extLst>
       <p:ext uri="{BB962C8B-B14F-4D97-AF65-F5344CB8AC3E}">
@@ -10231,7 +10395,7 @@
         </p:blipFill>
         <p:spPr>
           <a:xfrm>
-            <a:off x="2881992" y="2586603"/>
+            <a:off x="2340817" y="2623456"/>
             <a:ext cx="3780552" cy="733540"/>
           </a:xfrm>
           <a:prstGeom prst="rect">
@@ -10255,7 +10419,7 @@
         </p:blipFill>
         <p:spPr>
           <a:xfrm>
-            <a:off x="2575151" y="4498294"/>
+            <a:off x="2080628" y="4367665"/>
             <a:ext cx="5471048" cy="707572"/>
           </a:xfrm>
           <a:prstGeom prst="rect">
@@ -11219,15 +11383,7 @@
             </a:r>
             <a:r>
               <a:rPr lang="en-US" altLang="zh-CN" dirty="0"/>
-              <a:t> translate into jumps. The operators themselves do not appear in the code; </a:t>
-            </a:r>
-            <a:r>
-              <a:rPr lang="en-US" altLang="zh-CN" dirty="0" err="1"/>
-              <a:t>Instead,the</a:t>
-            </a:r>
-            <a:r>
-              <a:rPr lang="en-US" altLang="zh-CN" dirty="0"/>
-              <a:t> value of a Boolean expression is represented by a position in the code sequence.</a:t>
+              <a:t> translate into jumps. The operators themselves do not appear in the code; Instead, the value of a Boolean expression is represented by a position in the code sequence.</a:t>
             </a:r>
             <a:endParaRPr lang="zh-CN" altLang="en-US" dirty="0"/>
           </a:p>
@@ -12682,7 +12838,7 @@
           <a:graphicData uri="http://schemas.openxmlformats.org/presentationml/2006/ole">
             <mc:AlternateContent xmlns:mc="http://schemas.openxmlformats.org/markup-compatibility/2006">
               <mc:Choice xmlns:v="urn:schemas-microsoft-com:vml" Requires="v">
-                <p:oleObj spid="_x0000_s1116" name="Equation" r:id="rId3" imgW="596880" imgH="457200" progId="Equation.DSMT4">
+                <p:oleObj spid="_x0000_s1119" name="Equation" r:id="rId3" imgW="596880" imgH="457200" progId="Equation.DSMT4">
                   <p:embed/>
                 </p:oleObj>
               </mc:Choice>
@@ -14665,15 +14821,6 @@
 </file>
 
 <file path=customXml/item1.xml><?xml version="1.0" encoding="utf-8"?>
-<?mso-contentType ?>
-<FormTemplates xmlns="http://schemas.microsoft.com/sharepoint/v3/contenttype/forms">
-  <Display>DocumentLibraryForm</Display>
-  <Edit>AssetEditForm</Edit>
-  <New>DocumentLibraryForm</New>
-</FormTemplates>
-</file>
-
-<file path=customXml/item2.xml><?xml version="1.0" encoding="utf-8"?>
 <ct:contentTypeSchema xmlns:ct="http://schemas.microsoft.com/office/2006/metadata/contentType" xmlns:ma="http://schemas.microsoft.com/office/2006/metadata/properties/metaAttributes" ct:_="" ma:_="" ma:contentTypeName="TemplateFile" ma:contentTypeID="0x0101006EDDDB5EE6D98C44930B742096920B300400F5B6D36B3EF94B4E9A635CDF2A18F5B8" ma:contentTypeVersion="72" ma:contentTypeDescription="Create a new document." ma:contentTypeScope="" ma:versionID="a23e56308344d904b51738559c3d67c9">
   <xsd:schema xmlns:xsd="http://www.w3.org/2001/XMLSchema" xmlns:xs="http://www.w3.org/2001/XMLSchema" xmlns:p="http://schemas.microsoft.com/office/2006/metadata/properties" xmlns:ns2="4873beb7-5857-4685-be1f-d57550cc96cc" targetNamespace="http://schemas.microsoft.com/office/2006/metadata/properties" ma:root="true" ma:fieldsID="cd0908cc4600e77bf5da051303e00c8d" ns2:_="">
     <xsd:import namespace="4873beb7-5857-4685-be1f-d57550cc96cc"/>
@@ -15713,7 +15860,7 @@
 </ct:contentTypeSchema>
 </file>
 
-<file path=customXml/item3.xml><?xml version="1.0" encoding="utf-8"?>
+<file path=customXml/item2.xml><?xml version="1.0" encoding="utf-8"?>
 <p:properties xmlns:p="http://schemas.microsoft.com/office/2006/metadata/properties" xmlns:xsi="http://www.w3.org/2001/XMLSchema-instance" xmlns:pc="http://schemas.microsoft.com/office/infopath/2007/PartnerControls">
   <documentManagement>
     <APDescription xmlns="4873beb7-5857-4685-be1f-d57550cc96cc" xsi:nil="true"/>
@@ -15839,15 +15986,16 @@
 </p:properties>
 </file>
 
-<file path=customXml/itemProps1.xml><?xml version="1.0" encoding="utf-8"?>
-<ds:datastoreItem xmlns:ds="http://schemas.openxmlformats.org/officeDocument/2006/customXml" ds:itemID="{561E720F-F05D-4536-9C34-0CFCED65D3B7}">
-  <ds:schemaRefs>
-    <ds:schemaRef ds:uri="http://schemas.microsoft.com/sharepoint/v3/contenttype/forms"/>
-  </ds:schemaRefs>
-</ds:datastoreItem>
+<file path=customXml/item3.xml><?xml version="1.0" encoding="utf-8"?>
+<?mso-contentType ?>
+<FormTemplates xmlns="http://schemas.microsoft.com/sharepoint/v3/contenttype/forms">
+  <Display>DocumentLibraryForm</Display>
+  <Edit>AssetEditForm</Edit>
+  <New>DocumentLibraryForm</New>
+</FormTemplates>
 </file>
 
-<file path=customXml/itemProps2.xml><?xml version="1.0" encoding="utf-8"?>
+<file path=customXml/itemProps1.xml><?xml version="1.0" encoding="utf-8"?>
 <ds:datastoreItem xmlns:ds="http://schemas.openxmlformats.org/officeDocument/2006/customXml" ds:itemID="{28C8B9CA-0273-4370-889A-FC05DA5C2FA5}">
   <ds:schemaRefs>
     <ds:schemaRef ds:uri="http://schemas.microsoft.com/office/2006/metadata/contentType"/>
@@ -15865,7 +16013,7 @@
 </ds:datastoreItem>
 </file>
 
-<file path=customXml/itemProps3.xml><?xml version="1.0" encoding="utf-8"?>
+<file path=customXml/itemProps2.xml><?xml version="1.0" encoding="utf-8"?>
 <ds:datastoreItem xmlns:ds="http://schemas.openxmlformats.org/officeDocument/2006/customXml" ds:itemID="{8CDDBB83-77C1-4099-A0AA-289882E745E2}">
   <ds:schemaRefs>
     <ds:schemaRef ds:uri="http://purl.org/dc/terms/"/>
@@ -15879,4 +16027,12 @@
     <ds:schemaRef ds:uri="http://schemas.microsoft.com/office/2006/metadata/properties"/>
   </ds:schemaRefs>
 </ds:datastoreItem>
+</file>
+
+<file path=customXml/itemProps3.xml><?xml version="1.0" encoding="utf-8"?>
+<ds:datastoreItem xmlns:ds="http://schemas.openxmlformats.org/officeDocument/2006/customXml" ds:itemID="{561E720F-F05D-4536-9C34-0CFCED65D3B7}">
+  <ds:schemaRefs>
+    <ds:schemaRef ds:uri="http://schemas.microsoft.com/sharepoint/v3/contenttype/forms"/>
+  </ds:schemaRefs>
+</ds:datastoreItem>
 </file>
--- a/course/compiler/lecture/(Spring2020)Lecture7.pptx
+++ b/course/compiler/lecture/(Spring2020)Lecture7.pptx
@@ -5,10 +5,10 @@
     <p:sldMasterId id="2147483648" r:id="rId4"/>
   </p:sldMasterIdLst>
   <p:notesMasterIdLst>
-    <p:notesMasterId r:id="rId47"/>
+    <p:notesMasterId r:id="rId50"/>
   </p:notesMasterIdLst>
   <p:handoutMasterIdLst>
-    <p:handoutMasterId r:id="rId48"/>
+    <p:handoutMasterId r:id="rId51"/>
   </p:handoutMasterIdLst>
   <p:sldIdLst>
     <p:sldId id="256" r:id="rId5"/>
@@ -53,6 +53,9 @@
     <p:sldId id="313" r:id="rId44"/>
     <p:sldId id="314" r:id="rId45"/>
     <p:sldId id="315" r:id="rId46"/>
+    <p:sldId id="318" r:id="rId47"/>
+    <p:sldId id="319" r:id="rId48"/>
+    <p:sldId id="320" r:id="rId49"/>
   </p:sldIdLst>
   <p:sldSz cx="9144000" cy="6858000" type="screen4x3"/>
   <p:notesSz cx="6858000" cy="9144000"/>
@@ -264,7 +267,7 @@
                 <a:ea typeface="微软雅黑" panose="020B0503020204020204" pitchFamily="34" charset="-122"/>
               </a:rPr>
               <a:pPr algn="r" rtl="0"/>
-              <a:t>2020/5/19</a:t>
+              <a:t>2020/5/24</a:t>
             </a:fld>
             <a:endParaRPr lang="zh-CN" altLang="en-US" dirty="0">
               <a:latin typeface="微软雅黑" panose="020B0503020204020204" pitchFamily="34" charset="-122"/>
@@ -451,7 +454,7 @@
             <a:fld id="{229B22C3-6CB1-491B-AD00-E0837F23A3F3}" type="datetime1">
               <a:rPr lang="zh-CN" altLang="en-US" smtClean="0"/>
               <a:pPr/>
-              <a:t>2020/5/19</a:t>
+              <a:t>2020/5/24</a:t>
             </a:fld>
             <a:endParaRPr lang="zh-CN" altLang="en-US" dirty="0"/>
           </a:p>
@@ -1047,7 +1050,7 @@
             <a:fld id="{A7392AAC-879E-4B39-8824-AF6B730A809E}" type="datetime1">
               <a:rPr lang="zh-CN" altLang="en-US" smtClean="0"/>
               <a:pPr/>
-              <a:t>2020/5/19</a:t>
+              <a:t>2020/5/24</a:t>
             </a:fld>
             <a:endParaRPr lang="zh-CN" altLang="en-US" dirty="0"/>
           </a:p>
@@ -1388,7 +1391,7 @@
             <a:fld id="{7118C275-B304-48F5-8C4F-015CBCF4E7C1}" type="datetime1">
               <a:rPr lang="zh-CN" altLang="en-US" smtClean="0"/>
               <a:pPr/>
-              <a:t>2020/5/19</a:t>
+              <a:t>2020/5/24</a:t>
             </a:fld>
             <a:r>
               <a:rPr lang="zh-CN" altLang="en-US" dirty="0"/>
@@ -1594,7 +1597,7 @@
             <a:fld id="{98791AA9-DDCB-4BA8-AD1D-963A3AA00622}" type="datetime1">
               <a:rPr lang="zh-CN" altLang="en-US" smtClean="0"/>
               <a:pPr/>
-              <a:t>2020/5/19</a:t>
+              <a:t>2020/5/24</a:t>
             </a:fld>
             <a:endParaRPr lang="zh-CN" altLang="en-US" dirty="0"/>
           </a:p>
@@ -1798,7 +1801,7 @@
             <a:fld id="{9170426F-E661-472B-BE42-25E072CD46D9}" type="datetime1">
               <a:rPr lang="zh-CN" altLang="en-US" smtClean="0"/>
               <a:pPr/>
-              <a:t>2020/5/19</a:t>
+              <a:t>2020/5/24</a:t>
             </a:fld>
             <a:endParaRPr lang="zh-CN" altLang="en-US" dirty="0"/>
           </a:p>
@@ -2120,7 +2123,7 @@
             <a:fld id="{9BA78444-6099-4C0A-A3A9-C6F3C5D7F289}" type="datetime1">
               <a:rPr lang="zh-CN" altLang="en-US" smtClean="0"/>
               <a:pPr/>
-              <a:t>2020/5/19</a:t>
+              <a:t>2020/5/24</a:t>
             </a:fld>
             <a:endParaRPr lang="zh-CN" altLang="en-US" dirty="0"/>
           </a:p>
@@ -3232,7 +3235,7 @@
             <a:fld id="{AF5F6A19-70BF-4380-9A40-68C9536408C6}" type="datetime1">
               <a:rPr lang="zh-CN" altLang="en-US" smtClean="0"/>
               <a:pPr/>
-              <a:t>2020/5/19</a:t>
+              <a:t>2020/5/24</a:t>
             </a:fld>
             <a:endParaRPr lang="zh-CN" altLang="en-US" dirty="0"/>
           </a:p>
@@ -3631,7 +3634,7 @@
             <a:fld id="{6017EB90-196C-4C15-BD31-13E0E0436C73}" type="datetime1">
               <a:rPr lang="zh-CN" altLang="en-US" smtClean="0"/>
               <a:pPr/>
-              <a:t>2020/5/19</a:t>
+              <a:t>2020/5/24</a:t>
             </a:fld>
             <a:r>
               <a:rPr lang="zh-CN" altLang="en-US" dirty="0"/>
@@ -4113,7 +4116,7 @@
             <a:fld id="{C2EC0F41-B48F-4298-A7F6-618EB9D22195}" type="datetime1">
               <a:rPr lang="zh-CN" altLang="en-US" smtClean="0"/>
               <a:pPr/>
-              <a:t>2020/5/19</a:t>
+              <a:t>2020/5/24</a:t>
             </a:fld>
             <a:endParaRPr lang="zh-CN" altLang="en-US" dirty="0"/>
           </a:p>
@@ -4264,7 +4267,7 @@
             <a:fld id="{7DB2D836-56E8-4B15-857C-14B1A5B3B67B}" type="datetime1">
               <a:rPr lang="zh-CN" altLang="en-US" smtClean="0"/>
               <a:pPr/>
-              <a:t>2020/5/19</a:t>
+              <a:t>2020/5/24</a:t>
             </a:fld>
             <a:endParaRPr lang="zh-CN" altLang="en-US" dirty="0"/>
           </a:p>
@@ -4382,7 +4385,7 @@
             <a:fld id="{038D929F-7D8C-4CC3-8AC7-BB9B8FE2DEBF}" type="datetime1">
               <a:rPr lang="zh-CN" altLang="en-US" smtClean="0"/>
               <a:pPr/>
-              <a:t>2020/5/19</a:t>
+              <a:t>2020/5/24</a:t>
             </a:fld>
             <a:endParaRPr lang="zh-CN" altLang="en-US" dirty="0"/>
           </a:p>
@@ -4685,7 +4688,7 @@
             <a:fld id="{F7892ACC-8BC8-4C9E-9D2B-0669DA5038B6}" type="datetime1">
               <a:rPr lang="zh-CN" altLang="en-US" smtClean="0"/>
               <a:pPr/>
-              <a:t>2020/5/19</a:t>
+              <a:t>2020/5/24</a:t>
             </a:fld>
             <a:endParaRPr lang="zh-CN" altLang="en-US" dirty="0"/>
           </a:p>
@@ -4951,7 +4954,7 @@
             <a:fld id="{660B6A15-7713-4A08-BBFD-F297CCC2B976}" type="datetime1">
               <a:rPr lang="zh-CN" altLang="en-US" smtClean="0"/>
               <a:pPr/>
-              <a:t>2020/5/19</a:t>
+              <a:t>2020/5/24</a:t>
             </a:fld>
             <a:r>
               <a:rPr lang="zh-CN" altLang="en-US" dirty="0"/>
@@ -7096,7 +7099,7 @@
           <a:graphicData uri="http://schemas.openxmlformats.org/presentationml/2006/ole">
             <mc:AlternateContent xmlns:mc="http://schemas.openxmlformats.org/markup-compatibility/2006">
               <mc:Choice xmlns:v="urn:schemas-microsoft-com:vml" Requires="v">
-                <p:oleObj spid="_x0000_s2062" name="Equation" r:id="rId3" imgW="2806560" imgH="190440" progId="Equation.DSMT4">
+                <p:oleObj spid="_x0000_s2068" name="Equation" r:id="rId3" imgW="2806560" imgH="190440" progId="Equation.DSMT4">
                   <p:embed/>
                 </p:oleObj>
               </mc:Choice>
@@ -7372,7 +7375,7 @@
           <a:graphicData uri="http://schemas.openxmlformats.org/presentationml/2006/ole">
             <mc:AlternateContent xmlns:mc="http://schemas.openxmlformats.org/markup-compatibility/2006">
               <mc:Choice xmlns:v="urn:schemas-microsoft-com:vml" Requires="v">
-                <p:oleObj spid="_x0000_s2063" name="Equation" r:id="rId5" imgW="1676160" imgH="190440" progId="Equation.DSMT4">
+                <p:oleObj spid="_x0000_s2069" name="Equation" r:id="rId5" imgW="1676160" imgH="190440" progId="Equation.DSMT4">
                   <p:embed/>
                 </p:oleObj>
               </mc:Choice>
@@ -7646,7 +7649,7 @@
           <a:graphicData uri="http://schemas.openxmlformats.org/presentationml/2006/ole">
             <mc:AlternateContent xmlns:mc="http://schemas.openxmlformats.org/markup-compatibility/2006">
               <mc:Choice xmlns:v="urn:schemas-microsoft-com:vml" Requires="v">
-                <p:oleObj spid="_x0000_s2064" name="Equation" r:id="rId7" imgW="2171520" imgH="190440" progId="Equation.DSMT4">
+                <p:oleObj spid="_x0000_s2070" name="Equation" r:id="rId7" imgW="2171520" imgH="190440" progId="Equation.DSMT4">
                   <p:embed/>
                 </p:oleObj>
               </mc:Choice>
@@ -12530,6 +12533,388 @@
 </p:sld>
 </file>
 
+<file path=ppt/slides/slide43.xml><?xml version="1.0" encoding="utf-8"?>
+<p:sld xmlns:a="http://schemas.openxmlformats.org/drawingml/2006/main" xmlns:r="http://schemas.openxmlformats.org/officeDocument/2006/relationships" xmlns:p="http://schemas.openxmlformats.org/presentationml/2006/main">
+  <p:cSld>
+    <p:spTree>
+      <p:nvGrpSpPr>
+        <p:cNvPr id="1" name=""/>
+        <p:cNvGrpSpPr/>
+        <p:nvPr/>
+      </p:nvGrpSpPr>
+      <p:grpSpPr>
+        <a:xfrm>
+          <a:off x="0" y="0"/>
+          <a:ext cx="0" cy="0"/>
+          <a:chOff x="0" y="0"/>
+          <a:chExt cx="0" cy="0"/>
+        </a:xfrm>
+      </p:grpSpPr>
+      <p:sp>
+        <p:nvSpPr>
+          <p:cNvPr id="2" name="标题 1">
+            <a:extLst>
+              <a:ext uri="{FF2B5EF4-FFF2-40B4-BE49-F238E27FC236}">
+                <a16:creationId xmlns:a16="http://schemas.microsoft.com/office/drawing/2014/main" id="{733FA1BB-10A7-4770-A7BD-BAF0CAE107B5}"/>
+              </a:ext>
+            </a:extLst>
+          </p:cNvPr>
+          <p:cNvSpPr>
+            <a:spLocks noGrp="1"/>
+          </p:cNvSpPr>
+          <p:nvPr>
+            <p:ph type="title"/>
+          </p:nvPr>
+        </p:nvSpPr>
+        <p:spPr/>
+        <p:txBody>
+          <a:bodyPr/>
+          <a:lstStyle/>
+          <a:p>
+            <a:r>
+              <a:rPr lang="en-US" altLang="zh-CN" dirty="0"/>
+              <a:t>Homework 7</a:t>
+            </a:r>
+            <a:endParaRPr lang="zh-CN" altLang="en-US" dirty="0"/>
+          </a:p>
+        </p:txBody>
+      </p:sp>
+      <p:pic>
+        <p:nvPicPr>
+          <p:cNvPr id="5" name="图片 4">
+            <a:extLst>
+              <a:ext uri="{FF2B5EF4-FFF2-40B4-BE49-F238E27FC236}">
+                <a16:creationId xmlns:a16="http://schemas.microsoft.com/office/drawing/2014/main" id="{5A336F6B-214D-4247-BFE5-934B7C9E8B3E}"/>
+              </a:ext>
+            </a:extLst>
+          </p:cNvPr>
+          <p:cNvPicPr>
+            <a:picLocks noChangeAspect="1"/>
+          </p:cNvPicPr>
+          <p:nvPr/>
+        </p:nvPicPr>
+        <p:blipFill>
+          <a:blip r:embed="rId2"/>
+          <a:stretch>
+            <a:fillRect/>
+          </a:stretch>
+        </p:blipFill>
+        <p:spPr>
+          <a:xfrm>
+            <a:off x="359849" y="1531196"/>
+            <a:ext cx="8603848" cy="3525995"/>
+          </a:xfrm>
+          <a:prstGeom prst="rect">
+            <a:avLst/>
+          </a:prstGeom>
+        </p:spPr>
+      </p:pic>
+    </p:spTree>
+    <p:extLst>
+      <p:ext uri="{BB962C8B-B14F-4D97-AF65-F5344CB8AC3E}">
+        <p14:creationId xmlns:p14="http://schemas.microsoft.com/office/powerpoint/2010/main" val="3188014117"/>
+      </p:ext>
+    </p:extLst>
+  </p:cSld>
+  <p:clrMapOvr>
+    <a:masterClrMapping/>
+  </p:clrMapOvr>
+  <mc:AlternateContent xmlns:mc="http://schemas.openxmlformats.org/markup-compatibility/2006" xmlns:p14="http://schemas.microsoft.com/office/powerpoint/2010/main">
+    <mc:Choice Requires="p14">
+      <p:transition spd="med" p14:dur="700">
+        <p:fade/>
+      </p:transition>
+    </mc:Choice>
+    <mc:Fallback xmlns="">
+      <p:transition spd="med">
+        <p:fade/>
+      </p:transition>
+    </mc:Fallback>
+  </mc:AlternateContent>
+</p:sld>
+</file>
+
+<file path=ppt/slides/slide44.xml><?xml version="1.0" encoding="utf-8"?>
+<p:sld xmlns:a="http://schemas.openxmlformats.org/drawingml/2006/main" xmlns:r="http://schemas.openxmlformats.org/officeDocument/2006/relationships" xmlns:p="http://schemas.openxmlformats.org/presentationml/2006/main">
+  <p:cSld>
+    <p:spTree>
+      <p:nvGrpSpPr>
+        <p:cNvPr id="1" name=""/>
+        <p:cNvGrpSpPr/>
+        <p:nvPr/>
+      </p:nvGrpSpPr>
+      <p:grpSpPr>
+        <a:xfrm>
+          <a:off x="0" y="0"/>
+          <a:ext cx="0" cy="0"/>
+          <a:chOff x="0" y="0"/>
+          <a:chExt cx="0" cy="0"/>
+        </a:xfrm>
+      </p:grpSpPr>
+      <p:sp>
+        <p:nvSpPr>
+          <p:cNvPr id="2" name="标题 1">
+            <a:extLst>
+              <a:ext uri="{FF2B5EF4-FFF2-40B4-BE49-F238E27FC236}">
+                <a16:creationId xmlns:a16="http://schemas.microsoft.com/office/drawing/2014/main" id="{C3F791DB-283F-41DA-BC8D-49C961E7216C}"/>
+              </a:ext>
+            </a:extLst>
+          </p:cNvPr>
+          <p:cNvSpPr>
+            <a:spLocks noGrp="1"/>
+          </p:cNvSpPr>
+          <p:nvPr>
+            <p:ph type="title"/>
+          </p:nvPr>
+        </p:nvSpPr>
+        <p:spPr/>
+        <p:txBody>
+          <a:bodyPr/>
+          <a:lstStyle/>
+          <a:p>
+            <a:r>
+              <a:rPr lang="en-US" altLang="zh-CN" dirty="0"/>
+              <a:t>Homework 7</a:t>
+            </a:r>
+            <a:endParaRPr lang="zh-CN" altLang="en-US" dirty="0"/>
+          </a:p>
+        </p:txBody>
+      </p:sp>
+      <p:pic>
+        <p:nvPicPr>
+          <p:cNvPr id="4" name="图片 3">
+            <a:extLst>
+              <a:ext uri="{FF2B5EF4-FFF2-40B4-BE49-F238E27FC236}">
+                <a16:creationId xmlns:a16="http://schemas.microsoft.com/office/drawing/2014/main" id="{ED682ABD-C618-4375-B330-4540548A942E}"/>
+              </a:ext>
+            </a:extLst>
+          </p:cNvPr>
+          <p:cNvPicPr>
+            <a:picLocks noChangeAspect="1"/>
+          </p:cNvPicPr>
+          <p:nvPr/>
+        </p:nvPicPr>
+        <p:blipFill>
+          <a:blip r:embed="rId2"/>
+          <a:stretch>
+            <a:fillRect/>
+          </a:stretch>
+        </p:blipFill>
+        <p:spPr>
+          <a:xfrm>
+            <a:off x="669455" y="1827070"/>
+            <a:ext cx="7805090" cy="692194"/>
+          </a:xfrm>
+          <a:prstGeom prst="rect">
+            <a:avLst/>
+          </a:prstGeom>
+        </p:spPr>
+      </p:pic>
+      <p:pic>
+        <p:nvPicPr>
+          <p:cNvPr id="5" name="图片 4">
+            <a:extLst>
+              <a:ext uri="{FF2B5EF4-FFF2-40B4-BE49-F238E27FC236}">
+                <a16:creationId xmlns:a16="http://schemas.microsoft.com/office/drawing/2014/main" id="{B6483470-793A-4EC8-8692-16F32F224971}"/>
+              </a:ext>
+            </a:extLst>
+          </p:cNvPr>
+          <p:cNvPicPr>
+            <a:picLocks noChangeAspect="1"/>
+          </p:cNvPicPr>
+          <p:nvPr/>
+        </p:nvPicPr>
+        <p:blipFill>
+          <a:blip r:embed="rId3"/>
+          <a:stretch>
+            <a:fillRect/>
+          </a:stretch>
+        </p:blipFill>
+        <p:spPr>
+          <a:xfrm>
+            <a:off x="669455" y="3313131"/>
+            <a:ext cx="8131086" cy="1912012"/>
+          </a:xfrm>
+          <a:prstGeom prst="rect">
+            <a:avLst/>
+          </a:prstGeom>
+        </p:spPr>
+      </p:pic>
+    </p:spTree>
+    <p:extLst>
+      <p:ext uri="{BB962C8B-B14F-4D97-AF65-F5344CB8AC3E}">
+        <p14:creationId xmlns:p14="http://schemas.microsoft.com/office/powerpoint/2010/main" val="1758411821"/>
+      </p:ext>
+    </p:extLst>
+  </p:cSld>
+  <p:clrMapOvr>
+    <a:masterClrMapping/>
+  </p:clrMapOvr>
+  <mc:AlternateContent xmlns:mc="http://schemas.openxmlformats.org/markup-compatibility/2006" xmlns:p14="http://schemas.microsoft.com/office/powerpoint/2010/main">
+    <mc:Choice Requires="p14">
+      <p:transition spd="med" p14:dur="700">
+        <p:fade/>
+      </p:transition>
+    </mc:Choice>
+    <mc:Fallback xmlns="">
+      <p:transition spd="med">
+        <p:fade/>
+      </p:transition>
+    </mc:Fallback>
+  </mc:AlternateContent>
+</p:sld>
+</file>
+
+<file path=ppt/slides/slide45.xml><?xml version="1.0" encoding="utf-8"?>
+<p:sld xmlns:a="http://schemas.openxmlformats.org/drawingml/2006/main" xmlns:r="http://schemas.openxmlformats.org/officeDocument/2006/relationships" xmlns:p="http://schemas.openxmlformats.org/presentationml/2006/main">
+  <p:cSld>
+    <p:spTree>
+      <p:nvGrpSpPr>
+        <p:cNvPr id="1" name=""/>
+        <p:cNvGrpSpPr/>
+        <p:nvPr/>
+      </p:nvGrpSpPr>
+      <p:grpSpPr>
+        <a:xfrm>
+          <a:off x="0" y="0"/>
+          <a:ext cx="0" cy="0"/>
+          <a:chOff x="0" y="0"/>
+          <a:chExt cx="0" cy="0"/>
+        </a:xfrm>
+      </p:grpSpPr>
+      <p:sp>
+        <p:nvSpPr>
+          <p:cNvPr id="2" name="标题 1">
+            <a:extLst>
+              <a:ext uri="{FF2B5EF4-FFF2-40B4-BE49-F238E27FC236}">
+                <a16:creationId xmlns:a16="http://schemas.microsoft.com/office/drawing/2014/main" id="{C3F791DB-283F-41DA-BC8D-49C961E7216C}"/>
+              </a:ext>
+            </a:extLst>
+          </p:cNvPr>
+          <p:cNvSpPr>
+            <a:spLocks noGrp="1"/>
+          </p:cNvSpPr>
+          <p:nvPr>
+            <p:ph type="title"/>
+          </p:nvPr>
+        </p:nvSpPr>
+        <p:spPr/>
+        <p:txBody>
+          <a:bodyPr/>
+          <a:lstStyle/>
+          <a:p>
+            <a:endParaRPr lang="zh-CN" altLang="en-US"/>
+          </a:p>
+        </p:txBody>
+      </p:sp>
+      <p:sp>
+        <p:nvSpPr>
+          <p:cNvPr id="4" name="内容占位符 2">
+            <a:extLst>
+              <a:ext uri="{FF2B5EF4-FFF2-40B4-BE49-F238E27FC236}">
+                <a16:creationId xmlns:a16="http://schemas.microsoft.com/office/drawing/2014/main" id="{CEC7EE6C-E49E-4733-93A9-F4AB62A28F32}"/>
+              </a:ext>
+            </a:extLst>
+          </p:cNvPr>
+          <p:cNvSpPr>
+            <a:spLocks noGrp="1"/>
+          </p:cNvSpPr>
+          <p:nvPr>
+            <p:ph idx="1"/>
+          </p:nvPr>
+        </p:nvSpPr>
+        <p:spPr>
+          <a:xfrm>
+            <a:off x="828675" y="3429000"/>
+            <a:ext cx="7486650" cy="2743200"/>
+          </a:xfrm>
+        </p:spPr>
+        <p:txBody>
+          <a:bodyPr>
+            <a:normAutofit/>
+          </a:bodyPr>
+          <a:lstStyle/>
+          <a:p>
+            <a:pPr algn="ctr"/>
+            <a:r>
+              <a:rPr lang="en-US" altLang="zh-CN" sz="4000" b="1" dirty="0">
+                <a:ln w="12700">
+                  <a:solidFill>
+                    <a:schemeClr val="accent1"/>
+                  </a:solidFill>
+                  <a:prstDash val="solid"/>
+                </a:ln>
+                <a:pattFill prst="pct50">
+                  <a:fgClr>
+                    <a:schemeClr val="accent1"/>
+                  </a:fgClr>
+                  <a:bgClr>
+                    <a:schemeClr val="accent1">
+                      <a:lumMod val="20000"/>
+                      <a:lumOff val="80000"/>
+                    </a:schemeClr>
+                  </a:bgClr>
+                </a:pattFill>
+                <a:effectLst>
+                  <a:outerShdw dist="38100" dir="2640000" algn="bl" rotWithShape="0">
+                    <a:schemeClr val="accent1"/>
+                  </a:outerShdw>
+                </a:effectLst>
+              </a:rPr>
+              <a:t>END</a:t>
+            </a:r>
+            <a:endParaRPr lang="zh-CN" altLang="en-US" sz="4000" b="1" dirty="0">
+              <a:ln w="12700">
+                <a:solidFill>
+                  <a:schemeClr val="accent1"/>
+                </a:solidFill>
+                <a:prstDash val="solid"/>
+              </a:ln>
+              <a:pattFill prst="pct50">
+                <a:fgClr>
+                  <a:schemeClr val="accent1"/>
+                </a:fgClr>
+                <a:bgClr>
+                  <a:schemeClr val="accent1">
+                    <a:lumMod val="20000"/>
+                    <a:lumOff val="80000"/>
+                  </a:schemeClr>
+                </a:bgClr>
+              </a:pattFill>
+              <a:effectLst>
+                <a:outerShdw dist="38100" dir="2640000" algn="bl" rotWithShape="0">
+                  <a:schemeClr val="accent1"/>
+                </a:outerShdw>
+              </a:effectLst>
+            </a:endParaRPr>
+          </a:p>
+        </p:txBody>
+      </p:sp>
+    </p:spTree>
+    <p:extLst>
+      <p:ext uri="{BB962C8B-B14F-4D97-AF65-F5344CB8AC3E}">
+        <p14:creationId xmlns:p14="http://schemas.microsoft.com/office/powerpoint/2010/main" val="1041704543"/>
+      </p:ext>
+    </p:extLst>
+  </p:cSld>
+  <p:clrMapOvr>
+    <a:masterClrMapping/>
+  </p:clrMapOvr>
+  <mc:AlternateContent xmlns:mc="http://schemas.openxmlformats.org/markup-compatibility/2006" xmlns:p14="http://schemas.microsoft.com/office/powerpoint/2010/main">
+    <mc:Choice Requires="p14">
+      <p:transition spd="med" p14:dur="700">
+        <p:fade/>
+      </p:transition>
+    </mc:Choice>
+    <mc:Fallback xmlns="">
+      <p:transition spd="med">
+        <p:fade/>
+      </p:transition>
+    </mc:Fallback>
+  </mc:AlternateContent>
+</p:sld>
+</file>
+
 <file path=ppt/slides/slide5.xml><?xml version="1.0" encoding="utf-8"?>
 <p:sld xmlns:a="http://schemas.openxmlformats.org/drawingml/2006/main" xmlns:r="http://schemas.openxmlformats.org/officeDocument/2006/relationships" xmlns:p="http://schemas.openxmlformats.org/presentationml/2006/main">
   <p:cSld>
@@ -12838,7 +13223,7 @@
           <a:graphicData uri="http://schemas.openxmlformats.org/presentationml/2006/ole">
             <mc:AlternateContent xmlns:mc="http://schemas.openxmlformats.org/markup-compatibility/2006">
               <mc:Choice xmlns:v="urn:schemas-microsoft-com:vml" Requires="v">
-                <p:oleObj spid="_x0000_s1119" name="Equation" r:id="rId3" imgW="596880" imgH="457200" progId="Equation.DSMT4">
+                <p:oleObj spid="_x0000_s1121" name="Equation" r:id="rId3" imgW="596880" imgH="457200" progId="Equation.DSMT4">
                   <p:embed/>
                 </p:oleObj>
               </mc:Choice>
@@ -14821,6 +15206,141 @@
 </file>
 
 <file path=customXml/item1.xml><?xml version="1.0" encoding="utf-8"?>
+<p:properties xmlns:p="http://schemas.microsoft.com/office/2006/metadata/properties" xmlns:xsi="http://www.w3.org/2001/XMLSchema-instance" xmlns:pc="http://schemas.microsoft.com/office/infopath/2007/PartnerControls">
+  <documentManagement>
+    <APDescription xmlns="4873beb7-5857-4685-be1f-d57550cc96cc" xsi:nil="true"/>
+    <AssetExpire xmlns="4873beb7-5857-4685-be1f-d57550cc96cc">2029-01-01T08:00:00+00:00</AssetExpire>
+    <CampaignTagsTaxHTField0 xmlns="4873beb7-5857-4685-be1f-d57550cc96cc">
+      <Terms xmlns="http://schemas.microsoft.com/office/infopath/2007/PartnerControls"/>
+    </CampaignTagsTaxHTField0>
+    <IntlLangReviewDate xmlns="4873beb7-5857-4685-be1f-d57550cc96cc" xsi:nil="true"/>
+    <TPFriendlyName xmlns="4873beb7-5857-4685-be1f-d57550cc96cc" xsi:nil="true"/>
+    <IntlLangReview xmlns="4873beb7-5857-4685-be1f-d57550cc96cc">false</IntlLangReview>
+    <LocLastLocAttemptVersionLookup xmlns="4873beb7-5857-4685-be1f-d57550cc96cc">855024</LocLastLocAttemptVersionLookup>
+    <PolicheckWords xmlns="4873beb7-5857-4685-be1f-d57550cc96cc" xsi:nil="true"/>
+    <SubmitterId xmlns="4873beb7-5857-4685-be1f-d57550cc96cc" xsi:nil="true"/>
+    <AcquiredFrom xmlns="4873beb7-5857-4685-be1f-d57550cc96cc">Internal MS</AcquiredFrom>
+    <EditorialStatus xmlns="4873beb7-5857-4685-be1f-d57550cc96cc">Complete</EditorialStatus>
+    <Markets xmlns="4873beb7-5857-4685-be1f-d57550cc96cc"/>
+    <OriginAsset xmlns="4873beb7-5857-4685-be1f-d57550cc96cc" xsi:nil="true"/>
+    <AssetStart xmlns="4873beb7-5857-4685-be1f-d57550cc96cc">2012-08-31T08:50:00+00:00</AssetStart>
+    <FriendlyTitle xmlns="4873beb7-5857-4685-be1f-d57550cc96cc" xsi:nil="true"/>
+    <MarketSpecific xmlns="4873beb7-5857-4685-be1f-d57550cc96cc">false</MarketSpecific>
+    <TPNamespace xmlns="4873beb7-5857-4685-be1f-d57550cc96cc" xsi:nil="true"/>
+    <PublishStatusLookup xmlns="4873beb7-5857-4685-be1f-d57550cc96cc">
+      <Value>1616423</Value>
+    </PublishStatusLookup>
+    <APAuthor xmlns="4873beb7-5857-4685-be1f-d57550cc96cc">
+      <UserInfo>
+        <DisplayName>REDMOND\kristaa</DisplayName>
+        <AccountId>136</AccountId>
+        <AccountType/>
+      </UserInfo>
+    </APAuthor>
+    <TPCommandLine xmlns="4873beb7-5857-4685-be1f-d57550cc96cc" xsi:nil="true"/>
+    <IntlLangReviewer xmlns="4873beb7-5857-4685-be1f-d57550cc96cc" xsi:nil="true"/>
+    <OpenTemplate xmlns="4873beb7-5857-4685-be1f-d57550cc96cc">true</OpenTemplate>
+    <CSXSubmissionDate xmlns="4873beb7-5857-4685-be1f-d57550cc96cc" xsi:nil="true"/>
+    <TaxCatchAll xmlns="4873beb7-5857-4685-be1f-d57550cc96cc"/>
+    <Manager xmlns="4873beb7-5857-4685-be1f-d57550cc96cc" xsi:nil="true"/>
+    <NumericId xmlns="4873beb7-5857-4685-be1f-d57550cc96cc" xsi:nil="true"/>
+    <ParentAssetId xmlns="4873beb7-5857-4685-be1f-d57550cc96cc" xsi:nil="true"/>
+    <OriginalSourceMarket xmlns="4873beb7-5857-4685-be1f-d57550cc96cc" xsi:nil="true"/>
+    <ApprovalStatus xmlns="4873beb7-5857-4685-be1f-d57550cc96cc">InProgress</ApprovalStatus>
+    <TPComponent xmlns="4873beb7-5857-4685-be1f-d57550cc96cc" xsi:nil="true"/>
+    <EditorialTags xmlns="4873beb7-5857-4685-be1f-d57550cc96cc" xsi:nil="true"/>
+    <TPExecutable xmlns="4873beb7-5857-4685-be1f-d57550cc96cc" xsi:nil="true"/>
+    <TPLaunchHelpLink xmlns="4873beb7-5857-4685-be1f-d57550cc96cc" xsi:nil="true"/>
+    <LocComments xmlns="4873beb7-5857-4685-be1f-d57550cc96cc" xsi:nil="true"/>
+    <LocRecommendedHandoff xmlns="4873beb7-5857-4685-be1f-d57550cc96cc" xsi:nil="true"/>
+    <SourceTitle xmlns="4873beb7-5857-4685-be1f-d57550cc96cc" xsi:nil="true"/>
+    <CSXUpdate xmlns="4873beb7-5857-4685-be1f-d57550cc96cc">false</CSXUpdate>
+    <IntlLocPriority xmlns="4873beb7-5857-4685-be1f-d57550cc96cc" xsi:nil="true"/>
+    <UAProjectedTotalWords xmlns="4873beb7-5857-4685-be1f-d57550cc96cc" xsi:nil="true"/>
+    <AssetType xmlns="4873beb7-5857-4685-be1f-d57550cc96cc">TP</AssetType>
+    <MachineTranslated xmlns="4873beb7-5857-4685-be1f-d57550cc96cc">false</MachineTranslated>
+    <OutputCachingOn xmlns="4873beb7-5857-4685-be1f-d57550cc96cc">false</OutputCachingOn>
+    <TemplateStatus xmlns="4873beb7-5857-4685-be1f-d57550cc96cc">Complete</TemplateStatus>
+    <IsSearchable xmlns="4873beb7-5857-4685-be1f-d57550cc96cc">true</IsSearchable>
+    <ContentItem xmlns="4873beb7-5857-4685-be1f-d57550cc96cc" xsi:nil="true"/>
+    <HandoffToMSDN xmlns="4873beb7-5857-4685-be1f-d57550cc96cc" xsi:nil="true"/>
+    <ShowIn xmlns="4873beb7-5857-4685-be1f-d57550cc96cc">Show everywhere</ShowIn>
+    <ThumbnailAssetId xmlns="4873beb7-5857-4685-be1f-d57550cc96cc" xsi:nil="true"/>
+    <UALocComments xmlns="4873beb7-5857-4685-be1f-d57550cc96cc" xsi:nil="true"/>
+    <UALocRecommendation xmlns="4873beb7-5857-4685-be1f-d57550cc96cc">Localize</UALocRecommendation>
+    <LastModifiedDateTime xmlns="4873beb7-5857-4685-be1f-d57550cc96cc" xsi:nil="true"/>
+    <LegacyData xmlns="4873beb7-5857-4685-be1f-d57550cc96cc" xsi:nil="true"/>
+    <LocManualTestRequired xmlns="4873beb7-5857-4685-be1f-d57550cc96cc">false</LocManualTestRequired>
+    <LocMarketGroupTiers2 xmlns="4873beb7-5857-4685-be1f-d57550cc96cc" xsi:nil="true"/>
+    <ClipArtFilename xmlns="4873beb7-5857-4685-be1f-d57550cc96cc" xsi:nil="true"/>
+    <TPApplication xmlns="4873beb7-5857-4685-be1f-d57550cc96cc" xsi:nil="true"/>
+    <CSXHash xmlns="4873beb7-5857-4685-be1f-d57550cc96cc" xsi:nil="true"/>
+    <DirectSourceMarket xmlns="4873beb7-5857-4685-be1f-d57550cc96cc" xsi:nil="true"/>
+    <PrimaryImageGen xmlns="4873beb7-5857-4685-be1f-d57550cc96cc">true</PrimaryImageGen>
+    <PlannedPubDate xmlns="4873beb7-5857-4685-be1f-d57550cc96cc" xsi:nil="true"/>
+    <CSXSubmissionMarket xmlns="4873beb7-5857-4685-be1f-d57550cc96cc" xsi:nil="true"/>
+    <Downloads xmlns="4873beb7-5857-4685-be1f-d57550cc96cc">0</Downloads>
+    <ArtSampleDocs xmlns="4873beb7-5857-4685-be1f-d57550cc96cc" xsi:nil="true"/>
+    <TrustLevel xmlns="4873beb7-5857-4685-be1f-d57550cc96cc">1 Microsoft Managed Content</TrustLevel>
+    <BlockPublish xmlns="4873beb7-5857-4685-be1f-d57550cc96cc">false</BlockPublish>
+    <TPLaunchHelpLinkType xmlns="4873beb7-5857-4685-be1f-d57550cc96cc">Template</TPLaunchHelpLinkType>
+    <LocalizationTagsTaxHTField0 xmlns="4873beb7-5857-4685-be1f-d57550cc96cc">
+      <Terms xmlns="http://schemas.microsoft.com/office/infopath/2007/PartnerControls"/>
+    </LocalizationTagsTaxHTField0>
+    <BusinessGroup xmlns="4873beb7-5857-4685-be1f-d57550cc96cc" xsi:nil="true"/>
+    <Providers xmlns="4873beb7-5857-4685-be1f-d57550cc96cc" xsi:nil="true"/>
+    <TemplateTemplateType xmlns="4873beb7-5857-4685-be1f-d57550cc96cc">PowerPoint Presentation Template</TemplateTemplateType>
+    <TimesCloned xmlns="4873beb7-5857-4685-be1f-d57550cc96cc" xsi:nil="true"/>
+    <TPAppVersion xmlns="4873beb7-5857-4685-be1f-d57550cc96cc" xsi:nil="true"/>
+    <VoteCount xmlns="4873beb7-5857-4685-be1f-d57550cc96cc" xsi:nil="true"/>
+    <AverageRating xmlns="4873beb7-5857-4685-be1f-d57550cc96cc" xsi:nil="true"/>
+    <FeatureTagsTaxHTField0 xmlns="4873beb7-5857-4685-be1f-d57550cc96cc">
+      <Terms xmlns="http://schemas.microsoft.com/office/infopath/2007/PartnerControls"/>
+    </FeatureTagsTaxHTField0>
+    <Provider xmlns="4873beb7-5857-4685-be1f-d57550cc96cc" xsi:nil="true"/>
+    <UACurrentWords xmlns="4873beb7-5857-4685-be1f-d57550cc96cc" xsi:nil="true"/>
+    <AssetId xmlns="4873beb7-5857-4685-be1f-d57550cc96cc">TP103431361</AssetId>
+    <TPClientViewer xmlns="4873beb7-5857-4685-be1f-d57550cc96cc" xsi:nil="true"/>
+    <DSATActionTaken xmlns="4873beb7-5857-4685-be1f-d57550cc96cc" xsi:nil="true"/>
+    <APEditor xmlns="4873beb7-5857-4685-be1f-d57550cc96cc">
+      <UserInfo>
+        <DisplayName/>
+        <AccountId xsi:nil="true"/>
+        <AccountType/>
+      </UserInfo>
+    </APEditor>
+    <TPInstallLocation xmlns="4873beb7-5857-4685-be1f-d57550cc96cc" xsi:nil="true"/>
+    <OOCacheId xmlns="4873beb7-5857-4685-be1f-d57550cc96cc" xsi:nil="true"/>
+    <IsDeleted xmlns="4873beb7-5857-4685-be1f-d57550cc96cc">false</IsDeleted>
+    <PublishTargets xmlns="4873beb7-5857-4685-be1f-d57550cc96cc">OfficeOnlineVNext</PublishTargets>
+    <ApprovalLog xmlns="4873beb7-5857-4685-be1f-d57550cc96cc" xsi:nil="true"/>
+    <BugNumber xmlns="4873beb7-5857-4685-be1f-d57550cc96cc" xsi:nil="true"/>
+    <CrawlForDependencies xmlns="4873beb7-5857-4685-be1f-d57550cc96cc">false</CrawlForDependencies>
+    <InternalTagsTaxHTField0 xmlns="4873beb7-5857-4685-be1f-d57550cc96cc">
+      <Terms xmlns="http://schemas.microsoft.com/office/infopath/2007/PartnerControls"/>
+    </InternalTagsTaxHTField0>
+    <LastHandOff xmlns="4873beb7-5857-4685-be1f-d57550cc96cc" xsi:nil="true"/>
+    <Milestone xmlns="4873beb7-5857-4685-be1f-d57550cc96cc" xsi:nil="true"/>
+    <OriginalRelease xmlns="4873beb7-5857-4685-be1f-d57550cc96cc">15</OriginalRelease>
+    <RecommendationsModifier xmlns="4873beb7-5857-4685-be1f-d57550cc96cc" xsi:nil="true"/>
+    <ScenarioTagsTaxHTField0 xmlns="4873beb7-5857-4685-be1f-d57550cc96cc">
+      <Terms xmlns="http://schemas.microsoft.com/office/infopath/2007/PartnerControls"/>
+    </ScenarioTagsTaxHTField0>
+    <UANotes xmlns="4873beb7-5857-4685-be1f-d57550cc96cc" xsi:nil="true"/>
+  </documentManagement>
+</p:properties>
+</file>
+
+<file path=customXml/item2.xml><?xml version="1.0" encoding="utf-8"?>
+<?mso-contentType ?>
+<FormTemplates xmlns="http://schemas.microsoft.com/sharepoint/v3/contenttype/forms">
+  <Display>DocumentLibraryForm</Display>
+  <Edit>AssetEditForm</Edit>
+  <New>DocumentLibraryForm</New>
+</FormTemplates>
+</file>
+
+<file path=customXml/item3.xml><?xml version="1.0" encoding="utf-8"?>
 <ct:contentTypeSchema xmlns:ct="http://schemas.microsoft.com/office/2006/metadata/contentType" xmlns:ma="http://schemas.microsoft.com/office/2006/metadata/properties/metaAttributes" ct:_="" ma:_="" ma:contentTypeName="TemplateFile" ma:contentTypeID="0x0101006EDDDB5EE6D98C44930B742096920B300400F5B6D36B3EF94B4E9A635CDF2A18F5B8" ma:contentTypeVersion="72" ma:contentTypeDescription="Create a new document." ma:contentTypeScope="" ma:versionID="a23e56308344d904b51738559c3d67c9">
   <xsd:schema xmlns:xsd="http://www.w3.org/2001/XMLSchema" xmlns:xs="http://www.w3.org/2001/XMLSchema" xmlns:p="http://schemas.microsoft.com/office/2006/metadata/properties" xmlns:ns2="4873beb7-5857-4685-be1f-d57550cc96cc" targetNamespace="http://schemas.microsoft.com/office/2006/metadata/properties" ma:root="true" ma:fieldsID="cd0908cc4600e77bf5da051303e00c8d" ns2:_="">
     <xsd:import namespace="4873beb7-5857-4685-be1f-d57550cc96cc"/>
@@ -15860,142 +16380,31 @@
 </ct:contentTypeSchema>
 </file>
 
-<file path=customXml/item2.xml><?xml version="1.0" encoding="utf-8"?>
-<p:properties xmlns:p="http://schemas.microsoft.com/office/2006/metadata/properties" xmlns:xsi="http://www.w3.org/2001/XMLSchema-instance" xmlns:pc="http://schemas.microsoft.com/office/infopath/2007/PartnerControls">
-  <documentManagement>
-    <APDescription xmlns="4873beb7-5857-4685-be1f-d57550cc96cc" xsi:nil="true"/>
-    <AssetExpire xmlns="4873beb7-5857-4685-be1f-d57550cc96cc">2029-01-01T08:00:00+00:00</AssetExpire>
-    <CampaignTagsTaxHTField0 xmlns="4873beb7-5857-4685-be1f-d57550cc96cc">
-      <Terms xmlns="http://schemas.microsoft.com/office/infopath/2007/PartnerControls"/>
-    </CampaignTagsTaxHTField0>
-    <IntlLangReviewDate xmlns="4873beb7-5857-4685-be1f-d57550cc96cc" xsi:nil="true"/>
-    <TPFriendlyName xmlns="4873beb7-5857-4685-be1f-d57550cc96cc" xsi:nil="true"/>
-    <IntlLangReview xmlns="4873beb7-5857-4685-be1f-d57550cc96cc">false</IntlLangReview>
-    <LocLastLocAttemptVersionLookup xmlns="4873beb7-5857-4685-be1f-d57550cc96cc">855024</LocLastLocAttemptVersionLookup>
-    <PolicheckWords xmlns="4873beb7-5857-4685-be1f-d57550cc96cc" xsi:nil="true"/>
-    <SubmitterId xmlns="4873beb7-5857-4685-be1f-d57550cc96cc" xsi:nil="true"/>
-    <AcquiredFrom xmlns="4873beb7-5857-4685-be1f-d57550cc96cc">Internal MS</AcquiredFrom>
-    <EditorialStatus xmlns="4873beb7-5857-4685-be1f-d57550cc96cc">Complete</EditorialStatus>
-    <Markets xmlns="4873beb7-5857-4685-be1f-d57550cc96cc"/>
-    <OriginAsset xmlns="4873beb7-5857-4685-be1f-d57550cc96cc" xsi:nil="true"/>
-    <AssetStart xmlns="4873beb7-5857-4685-be1f-d57550cc96cc">2012-08-31T08:50:00+00:00</AssetStart>
-    <FriendlyTitle xmlns="4873beb7-5857-4685-be1f-d57550cc96cc" xsi:nil="true"/>
-    <MarketSpecific xmlns="4873beb7-5857-4685-be1f-d57550cc96cc">false</MarketSpecific>
-    <TPNamespace xmlns="4873beb7-5857-4685-be1f-d57550cc96cc" xsi:nil="true"/>
-    <PublishStatusLookup xmlns="4873beb7-5857-4685-be1f-d57550cc96cc">
-      <Value>1616423</Value>
-    </PublishStatusLookup>
-    <APAuthor xmlns="4873beb7-5857-4685-be1f-d57550cc96cc">
-      <UserInfo>
-        <DisplayName>REDMOND\kristaa</DisplayName>
-        <AccountId>136</AccountId>
-        <AccountType/>
-      </UserInfo>
-    </APAuthor>
-    <TPCommandLine xmlns="4873beb7-5857-4685-be1f-d57550cc96cc" xsi:nil="true"/>
-    <IntlLangReviewer xmlns="4873beb7-5857-4685-be1f-d57550cc96cc" xsi:nil="true"/>
-    <OpenTemplate xmlns="4873beb7-5857-4685-be1f-d57550cc96cc">true</OpenTemplate>
-    <CSXSubmissionDate xmlns="4873beb7-5857-4685-be1f-d57550cc96cc" xsi:nil="true"/>
-    <TaxCatchAll xmlns="4873beb7-5857-4685-be1f-d57550cc96cc"/>
-    <Manager xmlns="4873beb7-5857-4685-be1f-d57550cc96cc" xsi:nil="true"/>
-    <NumericId xmlns="4873beb7-5857-4685-be1f-d57550cc96cc" xsi:nil="true"/>
-    <ParentAssetId xmlns="4873beb7-5857-4685-be1f-d57550cc96cc" xsi:nil="true"/>
-    <OriginalSourceMarket xmlns="4873beb7-5857-4685-be1f-d57550cc96cc" xsi:nil="true"/>
-    <ApprovalStatus xmlns="4873beb7-5857-4685-be1f-d57550cc96cc">InProgress</ApprovalStatus>
-    <TPComponent xmlns="4873beb7-5857-4685-be1f-d57550cc96cc" xsi:nil="true"/>
-    <EditorialTags xmlns="4873beb7-5857-4685-be1f-d57550cc96cc" xsi:nil="true"/>
-    <TPExecutable xmlns="4873beb7-5857-4685-be1f-d57550cc96cc" xsi:nil="true"/>
-    <TPLaunchHelpLink xmlns="4873beb7-5857-4685-be1f-d57550cc96cc" xsi:nil="true"/>
-    <LocComments xmlns="4873beb7-5857-4685-be1f-d57550cc96cc" xsi:nil="true"/>
-    <LocRecommendedHandoff xmlns="4873beb7-5857-4685-be1f-d57550cc96cc" xsi:nil="true"/>
-    <SourceTitle xmlns="4873beb7-5857-4685-be1f-d57550cc96cc" xsi:nil="true"/>
-    <CSXUpdate xmlns="4873beb7-5857-4685-be1f-d57550cc96cc">false</CSXUpdate>
-    <IntlLocPriority xmlns="4873beb7-5857-4685-be1f-d57550cc96cc" xsi:nil="true"/>
-    <UAProjectedTotalWords xmlns="4873beb7-5857-4685-be1f-d57550cc96cc" xsi:nil="true"/>
-    <AssetType xmlns="4873beb7-5857-4685-be1f-d57550cc96cc">TP</AssetType>
-    <MachineTranslated xmlns="4873beb7-5857-4685-be1f-d57550cc96cc">false</MachineTranslated>
-    <OutputCachingOn xmlns="4873beb7-5857-4685-be1f-d57550cc96cc">false</OutputCachingOn>
-    <TemplateStatus xmlns="4873beb7-5857-4685-be1f-d57550cc96cc">Complete</TemplateStatus>
-    <IsSearchable xmlns="4873beb7-5857-4685-be1f-d57550cc96cc">true</IsSearchable>
-    <ContentItem xmlns="4873beb7-5857-4685-be1f-d57550cc96cc" xsi:nil="true"/>
-    <HandoffToMSDN xmlns="4873beb7-5857-4685-be1f-d57550cc96cc" xsi:nil="true"/>
-    <ShowIn xmlns="4873beb7-5857-4685-be1f-d57550cc96cc">Show everywhere</ShowIn>
-    <ThumbnailAssetId xmlns="4873beb7-5857-4685-be1f-d57550cc96cc" xsi:nil="true"/>
-    <UALocComments xmlns="4873beb7-5857-4685-be1f-d57550cc96cc" xsi:nil="true"/>
-    <UALocRecommendation xmlns="4873beb7-5857-4685-be1f-d57550cc96cc">Localize</UALocRecommendation>
-    <LastModifiedDateTime xmlns="4873beb7-5857-4685-be1f-d57550cc96cc" xsi:nil="true"/>
-    <LegacyData xmlns="4873beb7-5857-4685-be1f-d57550cc96cc" xsi:nil="true"/>
-    <LocManualTestRequired xmlns="4873beb7-5857-4685-be1f-d57550cc96cc">false</LocManualTestRequired>
-    <LocMarketGroupTiers2 xmlns="4873beb7-5857-4685-be1f-d57550cc96cc" xsi:nil="true"/>
-    <ClipArtFilename xmlns="4873beb7-5857-4685-be1f-d57550cc96cc" xsi:nil="true"/>
-    <TPApplication xmlns="4873beb7-5857-4685-be1f-d57550cc96cc" xsi:nil="true"/>
-    <CSXHash xmlns="4873beb7-5857-4685-be1f-d57550cc96cc" xsi:nil="true"/>
-    <DirectSourceMarket xmlns="4873beb7-5857-4685-be1f-d57550cc96cc" xsi:nil="true"/>
-    <PrimaryImageGen xmlns="4873beb7-5857-4685-be1f-d57550cc96cc">true</PrimaryImageGen>
-    <PlannedPubDate xmlns="4873beb7-5857-4685-be1f-d57550cc96cc" xsi:nil="true"/>
-    <CSXSubmissionMarket xmlns="4873beb7-5857-4685-be1f-d57550cc96cc" xsi:nil="true"/>
-    <Downloads xmlns="4873beb7-5857-4685-be1f-d57550cc96cc">0</Downloads>
-    <ArtSampleDocs xmlns="4873beb7-5857-4685-be1f-d57550cc96cc" xsi:nil="true"/>
-    <TrustLevel xmlns="4873beb7-5857-4685-be1f-d57550cc96cc">1 Microsoft Managed Content</TrustLevel>
-    <BlockPublish xmlns="4873beb7-5857-4685-be1f-d57550cc96cc">false</BlockPublish>
-    <TPLaunchHelpLinkType xmlns="4873beb7-5857-4685-be1f-d57550cc96cc">Template</TPLaunchHelpLinkType>
-    <LocalizationTagsTaxHTField0 xmlns="4873beb7-5857-4685-be1f-d57550cc96cc">
-      <Terms xmlns="http://schemas.microsoft.com/office/infopath/2007/PartnerControls"/>
-    </LocalizationTagsTaxHTField0>
-    <BusinessGroup xmlns="4873beb7-5857-4685-be1f-d57550cc96cc" xsi:nil="true"/>
-    <Providers xmlns="4873beb7-5857-4685-be1f-d57550cc96cc" xsi:nil="true"/>
-    <TemplateTemplateType xmlns="4873beb7-5857-4685-be1f-d57550cc96cc">PowerPoint Presentation Template</TemplateTemplateType>
-    <TimesCloned xmlns="4873beb7-5857-4685-be1f-d57550cc96cc" xsi:nil="true"/>
-    <TPAppVersion xmlns="4873beb7-5857-4685-be1f-d57550cc96cc" xsi:nil="true"/>
-    <VoteCount xmlns="4873beb7-5857-4685-be1f-d57550cc96cc" xsi:nil="true"/>
-    <AverageRating xmlns="4873beb7-5857-4685-be1f-d57550cc96cc" xsi:nil="true"/>
-    <FeatureTagsTaxHTField0 xmlns="4873beb7-5857-4685-be1f-d57550cc96cc">
-      <Terms xmlns="http://schemas.microsoft.com/office/infopath/2007/PartnerControls"/>
-    </FeatureTagsTaxHTField0>
-    <Provider xmlns="4873beb7-5857-4685-be1f-d57550cc96cc" xsi:nil="true"/>
-    <UACurrentWords xmlns="4873beb7-5857-4685-be1f-d57550cc96cc" xsi:nil="true"/>
-    <AssetId xmlns="4873beb7-5857-4685-be1f-d57550cc96cc">TP103431361</AssetId>
-    <TPClientViewer xmlns="4873beb7-5857-4685-be1f-d57550cc96cc" xsi:nil="true"/>
-    <DSATActionTaken xmlns="4873beb7-5857-4685-be1f-d57550cc96cc" xsi:nil="true"/>
-    <APEditor xmlns="4873beb7-5857-4685-be1f-d57550cc96cc">
-      <UserInfo>
-        <DisplayName/>
-        <AccountId xsi:nil="true"/>
-        <AccountType/>
-      </UserInfo>
-    </APEditor>
-    <TPInstallLocation xmlns="4873beb7-5857-4685-be1f-d57550cc96cc" xsi:nil="true"/>
-    <OOCacheId xmlns="4873beb7-5857-4685-be1f-d57550cc96cc" xsi:nil="true"/>
-    <IsDeleted xmlns="4873beb7-5857-4685-be1f-d57550cc96cc">false</IsDeleted>
-    <PublishTargets xmlns="4873beb7-5857-4685-be1f-d57550cc96cc">OfficeOnlineVNext</PublishTargets>
-    <ApprovalLog xmlns="4873beb7-5857-4685-be1f-d57550cc96cc" xsi:nil="true"/>
-    <BugNumber xmlns="4873beb7-5857-4685-be1f-d57550cc96cc" xsi:nil="true"/>
-    <CrawlForDependencies xmlns="4873beb7-5857-4685-be1f-d57550cc96cc">false</CrawlForDependencies>
-    <InternalTagsTaxHTField0 xmlns="4873beb7-5857-4685-be1f-d57550cc96cc">
-      <Terms xmlns="http://schemas.microsoft.com/office/infopath/2007/PartnerControls"/>
-    </InternalTagsTaxHTField0>
-    <LastHandOff xmlns="4873beb7-5857-4685-be1f-d57550cc96cc" xsi:nil="true"/>
-    <Milestone xmlns="4873beb7-5857-4685-be1f-d57550cc96cc" xsi:nil="true"/>
-    <OriginalRelease xmlns="4873beb7-5857-4685-be1f-d57550cc96cc">15</OriginalRelease>
-    <RecommendationsModifier xmlns="4873beb7-5857-4685-be1f-d57550cc96cc" xsi:nil="true"/>
-    <ScenarioTagsTaxHTField0 xmlns="4873beb7-5857-4685-be1f-d57550cc96cc">
-      <Terms xmlns="http://schemas.microsoft.com/office/infopath/2007/PartnerControls"/>
-    </ScenarioTagsTaxHTField0>
-    <UANotes xmlns="4873beb7-5857-4685-be1f-d57550cc96cc" xsi:nil="true"/>
-  </documentManagement>
-</p:properties>
+<file path=customXml/itemProps1.xml><?xml version="1.0" encoding="utf-8"?>
+<ds:datastoreItem xmlns:ds="http://schemas.openxmlformats.org/officeDocument/2006/customXml" ds:itemID="{8CDDBB83-77C1-4099-A0AA-289882E745E2}">
+  <ds:schemaRefs>
+    <ds:schemaRef ds:uri="http://purl.org/dc/terms/"/>
+    <ds:schemaRef ds:uri="http://purl.org/dc/dcmitype/"/>
+    <ds:schemaRef ds:uri="http://www.w3.org/XML/1998/namespace"/>
+    <ds:schemaRef ds:uri="http://purl.org/dc/elements/1.1/"/>
+    <ds:schemaRef ds:uri="http://schemas.microsoft.com/office/infopath/2007/PartnerControls"/>
+    <ds:schemaRef ds:uri="http://schemas.microsoft.com/office/2006/documentManagement/types"/>
+    <ds:schemaRef ds:uri="http://schemas.openxmlformats.org/package/2006/metadata/core-properties"/>
+    <ds:schemaRef ds:uri="4873beb7-5857-4685-be1f-d57550cc96cc"/>
+    <ds:schemaRef ds:uri="http://schemas.microsoft.com/office/2006/metadata/properties"/>
+  </ds:schemaRefs>
+</ds:datastoreItem>
 </file>
 
-<file path=customXml/item3.xml><?xml version="1.0" encoding="utf-8"?>
-<?mso-contentType ?>
-<FormTemplates xmlns="http://schemas.microsoft.com/sharepoint/v3/contenttype/forms">
-  <Display>DocumentLibraryForm</Display>
-  <Edit>AssetEditForm</Edit>
-  <New>DocumentLibraryForm</New>
-</FormTemplates>
+<file path=customXml/itemProps2.xml><?xml version="1.0" encoding="utf-8"?>
+<ds:datastoreItem xmlns:ds="http://schemas.openxmlformats.org/officeDocument/2006/customXml" ds:itemID="{561E720F-F05D-4536-9C34-0CFCED65D3B7}">
+  <ds:schemaRefs>
+    <ds:schemaRef ds:uri="http://schemas.microsoft.com/sharepoint/v3/contenttype/forms"/>
+  </ds:schemaRefs>
+</ds:datastoreItem>
 </file>
 
-<file path=customXml/itemProps1.xml><?xml version="1.0" encoding="utf-8"?>
+<file path=customXml/itemProps3.xml><?xml version="1.0" encoding="utf-8"?>
 <ds:datastoreItem xmlns:ds="http://schemas.openxmlformats.org/officeDocument/2006/customXml" ds:itemID="{28C8B9CA-0273-4370-889A-FC05DA5C2FA5}">
   <ds:schemaRefs>
     <ds:schemaRef ds:uri="http://schemas.microsoft.com/office/2006/metadata/contentType"/>
@@ -16011,28 +16420,4 @@
     <ds:schemaRef ds:uri="http://schemas.microsoft.com/internal/obd"/>
   </ds:schemaRefs>
 </ds:datastoreItem>
-</file>
-
-<file path=customXml/itemProps2.xml><?xml version="1.0" encoding="utf-8"?>
-<ds:datastoreItem xmlns:ds="http://schemas.openxmlformats.org/officeDocument/2006/customXml" ds:itemID="{8CDDBB83-77C1-4099-A0AA-289882E745E2}">
-  <ds:schemaRefs>
-    <ds:schemaRef ds:uri="http://purl.org/dc/terms/"/>
-    <ds:schemaRef ds:uri="http://purl.org/dc/dcmitype/"/>
-    <ds:schemaRef ds:uri="http://www.w3.org/XML/1998/namespace"/>
-    <ds:schemaRef ds:uri="http://purl.org/dc/elements/1.1/"/>
-    <ds:schemaRef ds:uri="http://schemas.microsoft.com/office/infopath/2007/PartnerControls"/>
-    <ds:schemaRef ds:uri="http://schemas.microsoft.com/office/2006/documentManagement/types"/>
-    <ds:schemaRef ds:uri="http://schemas.openxmlformats.org/package/2006/metadata/core-properties"/>
-    <ds:schemaRef ds:uri="4873beb7-5857-4685-be1f-d57550cc96cc"/>
-    <ds:schemaRef ds:uri="http://schemas.microsoft.com/office/2006/metadata/properties"/>
-  </ds:schemaRefs>
-</ds:datastoreItem>
-</file>
-
-<file path=customXml/itemProps3.xml><?xml version="1.0" encoding="utf-8"?>
-<ds:datastoreItem xmlns:ds="http://schemas.openxmlformats.org/officeDocument/2006/customXml" ds:itemID="{561E720F-F05D-4536-9C34-0CFCED65D3B7}">
-  <ds:schemaRefs>
-    <ds:schemaRef ds:uri="http://schemas.microsoft.com/sharepoint/v3/contenttype/forms"/>
-  </ds:schemaRefs>
-</ds:datastoreItem>
 </file>